--- a/2021.10_Metacritic Videogame Reviews Analysis_JeremyOsir_NYCDSA.pptx
+++ b/2021.10_Metacritic Videogame Reviews Analysis_JeremyOsir_NYCDSA.pptx
@@ -25646,52 +25646,190 @@
         </p:nvSpPr>
         <p:spPr>
           <a:xfrm>
-            <a:off x="257177" y="4418925"/>
-            <a:ext cx="8799600" cy="1362000"/>
+            <a:off x="0" y="5496000"/>
+            <a:ext cx="9119616" cy="1362000"/>
           </a:xfrm>
           <a:prstGeom prst="rect">
             <a:avLst/>
           </a:prstGeom>
-          <a:noFill/>
+          <a:solidFill>
+            <a:schemeClr val="accent4">
+              <a:alpha val="50000"/>
+            </a:schemeClr>
+          </a:solidFill>
           <a:ln>
             <a:noFill/>
           </a:ln>
-          <a:effectLst>
-            <a:outerShdw dist="17961" dir="2700000" algn="ctr" rotWithShape="0">
-              <a:schemeClr val="lt2"/>
-            </a:outerShdw>
-          </a:effectLst>
         </p:spPr>
+        <p:style>
+          <a:lnRef idx="0">
+            <a:scrgbClr r="0" g="0" b="0"/>
+          </a:lnRef>
+          <a:fillRef idx="0">
+            <a:scrgbClr r="0" g="0" b="0"/>
+          </a:fillRef>
+          <a:effectRef idx="0">
+            <a:scrgbClr r="0" g="0" b="0"/>
+          </a:effectRef>
+          <a:fontRef idx="minor">
+            <a:schemeClr val="lt1"/>
+          </a:fontRef>
+        </p:style>
         <p:txBody>
           <a:bodyPr spcFirstLastPara="1" wrap="square" lIns="91425" tIns="45700" rIns="91425" bIns="45700" anchor="ctr" anchorCtr="0">
             <a:noAutofit/>
           </a:bodyPr>
           <a:lstStyle/>
           <a:p>
-            <a:pPr marL="0" lvl="0" indent="0" algn="l" rtl="0">
-              <a:spcBef>
-                <a:spcPts val="0"/>
-              </a:spcBef>
-              <a:spcAft>
-                <a:spcPts val="0"/>
-              </a:spcAft>
-              <a:buNone/>
-            </a:pPr>
-            <a:r>
-              <a:rPr lang="ru-RU">
-                <a:solidFill>
-                  <a:schemeClr val="lt1"/>
+            <a:pPr lvl="0" algn="r"/>
+            <a:r>
+              <a:rPr lang="en-US" sz="2800" dirty="0">
+                <a:solidFill>
+                  <a:schemeClr val="bg1"/>
                 </a:solidFill>
                 <a:latin typeface="Calibri"/>
                 <a:ea typeface="Calibri"/>
                 <a:cs typeface="Calibri"/>
                 <a:sym typeface="Calibri"/>
               </a:rPr>
-              <a:t>Exploring Metacritic Videogame Reviews</a:t>
-            </a:r>
-            <a:endParaRPr>
+              <a:t>Web scraping: </a:t>
+            </a:r>
+            <a:r>
+              <a:rPr lang="ru-RU" sz="2800" dirty="0" err="1">
+                <a:solidFill>
+                  <a:schemeClr val="bg1"/>
+                </a:solidFill>
+                <a:latin typeface="Calibri"/>
+                <a:ea typeface="Calibri"/>
+                <a:cs typeface="Calibri"/>
+                <a:sym typeface="Calibri"/>
+              </a:rPr>
+              <a:t>Exploring</a:t>
+            </a:r>
+            <a:r>
+              <a:rPr lang="ru-RU" sz="2800" dirty="0">
+                <a:solidFill>
+                  <a:schemeClr val="bg1"/>
+                </a:solidFill>
+                <a:latin typeface="Calibri"/>
+                <a:ea typeface="Calibri"/>
+                <a:cs typeface="Calibri"/>
+                <a:sym typeface="Calibri"/>
+              </a:rPr>
+              <a:t> </a:t>
+            </a:r>
+            <a:r>
+              <a:rPr lang="ru-RU" sz="2800" dirty="0" err="1">
+                <a:solidFill>
+                  <a:schemeClr val="bg1"/>
+                </a:solidFill>
+                <a:latin typeface="Calibri"/>
+                <a:ea typeface="Calibri"/>
+                <a:cs typeface="Calibri"/>
+                <a:sym typeface="Calibri"/>
+              </a:rPr>
+              <a:t>Metacritic</a:t>
+            </a:r>
+            <a:r>
+              <a:rPr lang="ru-RU" sz="2800" dirty="0">
+                <a:solidFill>
+                  <a:schemeClr val="bg1"/>
+                </a:solidFill>
+                <a:latin typeface="Calibri"/>
+                <a:ea typeface="Calibri"/>
+                <a:cs typeface="Calibri"/>
+                <a:sym typeface="Calibri"/>
+              </a:rPr>
+              <a:t> </a:t>
+            </a:r>
+            <a:r>
+              <a:rPr lang="ru-RU" sz="2800" dirty="0" err="1">
+                <a:solidFill>
+                  <a:schemeClr val="bg1"/>
+                </a:solidFill>
+                <a:latin typeface="Calibri"/>
+                <a:ea typeface="Calibri"/>
+                <a:cs typeface="Calibri"/>
+                <a:sym typeface="Calibri"/>
+              </a:rPr>
+              <a:t>Videogame</a:t>
+            </a:r>
+            <a:r>
+              <a:rPr lang="ru-RU" sz="2800" dirty="0">
+                <a:solidFill>
+                  <a:schemeClr val="bg1"/>
+                </a:solidFill>
+                <a:latin typeface="Calibri"/>
+                <a:ea typeface="Calibri"/>
+                <a:cs typeface="Calibri"/>
+                <a:sym typeface="Calibri"/>
+              </a:rPr>
+              <a:t> </a:t>
+            </a:r>
+            <a:r>
+              <a:rPr lang="ru-RU" sz="2800" dirty="0" err="1">
+                <a:solidFill>
+                  <a:schemeClr val="bg1"/>
+                </a:solidFill>
+                <a:latin typeface="Calibri"/>
+                <a:ea typeface="Calibri"/>
+                <a:cs typeface="Calibri"/>
+                <a:sym typeface="Calibri"/>
+              </a:rPr>
+              <a:t>Reviews</a:t>
+            </a:r>
+            <a:br>
+              <a:rPr lang="en-US" sz="2800" dirty="0">
+                <a:solidFill>
+                  <a:schemeClr val="bg1"/>
+                </a:solidFill>
+                <a:latin typeface="Calibri"/>
+                <a:ea typeface="Calibri"/>
+                <a:cs typeface="Calibri"/>
+                <a:sym typeface="Calibri"/>
+              </a:rPr>
+            </a:br>
+            <a:r>
+              <a:rPr lang="en-US" sz="1800" dirty="0">
+                <a:solidFill>
+                  <a:schemeClr val="lt1"/>
+                </a:solidFill>
+              </a:rPr>
+              <a:t>Jeremy </a:t>
+            </a:r>
+            <a:r>
+              <a:rPr lang="en-US" sz="1800" dirty="0" err="1">
+                <a:solidFill>
+                  <a:schemeClr val="lt1"/>
+                </a:solidFill>
+              </a:rPr>
+              <a:t>Osir</a:t>
+            </a:r>
+            <a:br>
+              <a:rPr lang="en-US" sz="1800" dirty="0">
+                <a:solidFill>
+                  <a:schemeClr val="lt1"/>
+                </a:solidFill>
+              </a:rPr>
+            </a:br>
+            <a:r>
+              <a:rPr lang="en-US" sz="1800" dirty="0">
+                <a:solidFill>
+                  <a:schemeClr val="lt1"/>
+                </a:solidFill>
+              </a:rPr>
+              <a:t>NYCDSA, Oct 2021</a:t>
+            </a:r>
+            <a:br>
+              <a:rPr lang="en-US" sz="2800" dirty="0">
+                <a:solidFill>
+                  <a:schemeClr val="lt1"/>
+                </a:solidFill>
+              </a:rPr>
+            </a:br>
+            <a:endParaRPr sz="2800" dirty="0">
               <a:solidFill>
-                <a:schemeClr val="lt1"/>
+                <a:schemeClr val="bg1"/>
               </a:solidFill>
               <a:latin typeface="Calibri"/>
               <a:ea typeface="Calibri"/>
@@ -25709,8 +25847,8 @@
         </p:nvSpPr>
         <p:spPr>
           <a:xfrm>
-            <a:off x="6553200" y="5404400"/>
-            <a:ext cx="2411400" cy="431700"/>
+            <a:off x="6717792" y="5666217"/>
+            <a:ext cx="2966136" cy="431700"/>
           </a:xfrm>
           <a:prstGeom prst="rect">
             <a:avLst/>
@@ -25740,51 +25878,7 @@
               </a:spcAft>
               <a:buNone/>
             </a:pPr>
-            <a:r>
-              <a:rPr lang="ru-RU" sz="2100" b="1">
-                <a:solidFill>
-                  <a:schemeClr val="lt1"/>
-                </a:solidFill>
-                <a:latin typeface="Trebuchet MS"/>
-                <a:ea typeface="Trebuchet MS"/>
-                <a:cs typeface="Trebuchet MS"/>
-                <a:sym typeface="Trebuchet MS"/>
-              </a:rPr>
-              <a:t>Jeremy Osir</a:t>
-            </a:r>
-            <a:endParaRPr sz="2100" b="1">
-              <a:solidFill>
-                <a:schemeClr val="lt1"/>
-              </a:solidFill>
-              <a:latin typeface="Trebuchet MS"/>
-              <a:ea typeface="Trebuchet MS"/>
-              <a:cs typeface="Trebuchet MS"/>
-              <a:sym typeface="Trebuchet MS"/>
-            </a:endParaRPr>
-          </a:p>
-          <a:p>
-            <a:pPr marL="0" marR="0" lvl="0" indent="0" algn="l" rtl="0">
-              <a:spcBef>
-                <a:spcPts val="0"/>
-              </a:spcBef>
-              <a:spcAft>
-                <a:spcPts val="0"/>
-              </a:spcAft>
-              <a:buNone/>
-            </a:pPr>
-            <a:r>
-              <a:rPr lang="ru-RU" sz="2100" b="1">
-                <a:solidFill>
-                  <a:schemeClr val="lt1"/>
-                </a:solidFill>
-                <a:latin typeface="Trebuchet MS"/>
-                <a:ea typeface="Trebuchet MS"/>
-                <a:cs typeface="Trebuchet MS"/>
-                <a:sym typeface="Trebuchet MS"/>
-              </a:rPr>
-              <a:t>NYDSA, Oct 2021</a:t>
-            </a:r>
-            <a:endParaRPr sz="2100" b="1">
+            <a:endParaRPr sz="2100" b="1" dirty="0">
               <a:solidFill>
                 <a:schemeClr val="lt1"/>
               </a:solidFill>

--- a/2021.10_Metacritic Videogame Reviews Analysis_JeremyOsir_NYCDSA.pptx
+++ b/2021.10_Metacritic Videogame Reviews Analysis_JeremyOsir_NYCDSA.pptx
@@ -33877,7 +33877,7 @@
         </p:blipFill>
         <p:spPr>
           <a:xfrm>
-            <a:off x="92991" y="1654625"/>
+            <a:off x="7647" y="1654625"/>
             <a:ext cx="9144000" cy="4415425"/>
           </a:xfrm>
           <a:prstGeom prst="rect">
